--- a/docs/Arquitectura.pptx
+++ b/docs/Arquitectura.pptx
@@ -6,11 +6,11 @@
   </p:sldMasterIdLst>
   <p:sldIdLst>
     <p:sldId id="256" r:id="rId2"/>
-    <p:sldId id="257" r:id="rId3"/>
-    <p:sldId id="260" r:id="rId4"/>
-    <p:sldId id="258" r:id="rId5"/>
-    <p:sldId id="259" r:id="rId6"/>
-    <p:sldId id="264" r:id="rId7"/>
+    <p:sldId id="264" r:id="rId3"/>
+    <p:sldId id="257" r:id="rId4"/>
+    <p:sldId id="260" r:id="rId5"/>
+    <p:sldId id="258" r:id="rId6"/>
+    <p:sldId id="259" r:id="rId7"/>
     <p:sldId id="261" r:id="rId8"/>
     <p:sldId id="263" r:id="rId9"/>
     <p:sldId id="265" r:id="rId10"/>
@@ -269,7 +269,7 @@
           <a:p>
             <a:fld id="{B5929F38-C698-4BCE-AF4A-3572566CB7D6}" type="datetimeFigureOut">
               <a:rPr lang="es-PE" smtClean="0"/>
-              <a:t>28/02/2021</a:t>
+              <a:t>09/04/2021</a:t>
             </a:fld>
             <a:endParaRPr lang="es-PE"/>
           </a:p>
@@ -469,7 +469,7 @@
           <a:p>
             <a:fld id="{B5929F38-C698-4BCE-AF4A-3572566CB7D6}" type="datetimeFigureOut">
               <a:rPr lang="es-PE" smtClean="0"/>
-              <a:t>28/02/2021</a:t>
+              <a:t>09/04/2021</a:t>
             </a:fld>
             <a:endParaRPr lang="es-PE"/>
           </a:p>
@@ -679,7 +679,7 @@
           <a:p>
             <a:fld id="{B5929F38-C698-4BCE-AF4A-3572566CB7D6}" type="datetimeFigureOut">
               <a:rPr lang="es-PE" smtClean="0"/>
-              <a:t>28/02/2021</a:t>
+              <a:t>09/04/2021</a:t>
             </a:fld>
             <a:endParaRPr lang="es-PE"/>
           </a:p>
@@ -879,7 +879,7 @@
           <a:p>
             <a:fld id="{B5929F38-C698-4BCE-AF4A-3572566CB7D6}" type="datetimeFigureOut">
               <a:rPr lang="es-PE" smtClean="0"/>
-              <a:t>28/02/2021</a:t>
+              <a:t>09/04/2021</a:t>
             </a:fld>
             <a:endParaRPr lang="es-PE"/>
           </a:p>
@@ -1155,7 +1155,7 @@
           <a:p>
             <a:fld id="{B5929F38-C698-4BCE-AF4A-3572566CB7D6}" type="datetimeFigureOut">
               <a:rPr lang="es-PE" smtClean="0"/>
-              <a:t>28/02/2021</a:t>
+              <a:t>09/04/2021</a:t>
             </a:fld>
             <a:endParaRPr lang="es-PE"/>
           </a:p>
@@ -1423,7 +1423,7 @@
           <a:p>
             <a:fld id="{B5929F38-C698-4BCE-AF4A-3572566CB7D6}" type="datetimeFigureOut">
               <a:rPr lang="es-PE" smtClean="0"/>
-              <a:t>28/02/2021</a:t>
+              <a:t>09/04/2021</a:t>
             </a:fld>
             <a:endParaRPr lang="es-PE"/>
           </a:p>
@@ -1838,7 +1838,7 @@
           <a:p>
             <a:fld id="{B5929F38-C698-4BCE-AF4A-3572566CB7D6}" type="datetimeFigureOut">
               <a:rPr lang="es-PE" smtClean="0"/>
-              <a:t>28/02/2021</a:t>
+              <a:t>09/04/2021</a:t>
             </a:fld>
             <a:endParaRPr lang="es-PE"/>
           </a:p>
@@ -1980,7 +1980,7 @@
           <a:p>
             <a:fld id="{B5929F38-C698-4BCE-AF4A-3572566CB7D6}" type="datetimeFigureOut">
               <a:rPr lang="es-PE" smtClean="0"/>
-              <a:t>28/02/2021</a:t>
+              <a:t>09/04/2021</a:t>
             </a:fld>
             <a:endParaRPr lang="es-PE"/>
           </a:p>
@@ -2093,7 +2093,7 @@
           <a:p>
             <a:fld id="{B5929F38-C698-4BCE-AF4A-3572566CB7D6}" type="datetimeFigureOut">
               <a:rPr lang="es-PE" smtClean="0"/>
-              <a:t>28/02/2021</a:t>
+              <a:t>09/04/2021</a:t>
             </a:fld>
             <a:endParaRPr lang="es-PE"/>
           </a:p>
@@ -2406,7 +2406,7 @@
           <a:p>
             <a:fld id="{B5929F38-C698-4BCE-AF4A-3572566CB7D6}" type="datetimeFigureOut">
               <a:rPr lang="es-PE" smtClean="0"/>
-              <a:t>28/02/2021</a:t>
+              <a:t>09/04/2021</a:t>
             </a:fld>
             <a:endParaRPr lang="es-PE"/>
           </a:p>
@@ -2695,7 +2695,7 @@
           <a:p>
             <a:fld id="{B5929F38-C698-4BCE-AF4A-3572566CB7D6}" type="datetimeFigureOut">
               <a:rPr lang="es-PE" smtClean="0"/>
-              <a:t>28/02/2021</a:t>
+              <a:t>09/04/2021</a:t>
             </a:fld>
             <a:endParaRPr lang="es-PE"/>
           </a:p>
@@ -2938,7 +2938,7 @@
           <a:p>
             <a:fld id="{B5929F38-C698-4BCE-AF4A-3572566CB7D6}" type="datetimeFigureOut">
               <a:rPr lang="es-PE" smtClean="0"/>
-              <a:t>28/02/2021</a:t>
+              <a:t>09/04/2021</a:t>
             </a:fld>
             <a:endParaRPr lang="es-PE"/>
           </a:p>
@@ -3446,6 +3446,687 @@
           <p:cNvPr id="2" name="Título 1">
             <a:extLst>
               <a:ext uri="{FF2B5EF4-FFF2-40B4-BE49-F238E27FC236}">
+                <a16:creationId xmlns:a16="http://schemas.microsoft.com/office/drawing/2014/main" id="{00E606DF-72FC-4F39-A1AE-CE1839F01D0B}"/>
+              </a:ext>
+            </a:extLst>
+          </p:cNvPr>
+          <p:cNvSpPr>
+            <a:spLocks noGrp="1"/>
+          </p:cNvSpPr>
+          <p:nvPr>
+            <p:ph type="title"/>
+          </p:nvPr>
+        </p:nvSpPr>
+        <p:spPr/>
+        <p:txBody>
+          <a:bodyPr/>
+          <a:lstStyle/>
+          <a:p>
+            <a:r>
+              <a:rPr lang="es-PE" b="1" dirty="0"/>
+              <a:t>Arquitectura del sistema</a:t>
+            </a:r>
+          </a:p>
+        </p:txBody>
+      </p:sp>
+      <p:pic>
+        <p:nvPicPr>
+          <p:cNvPr id="5" name="Imagen 4">
+            <a:extLst>
+              <a:ext uri="{FF2B5EF4-FFF2-40B4-BE49-F238E27FC236}">
+                <a16:creationId xmlns:a16="http://schemas.microsoft.com/office/drawing/2014/main" id="{4BBE216F-028E-4FA8-AA36-C98C97DEBB93}"/>
+              </a:ext>
+            </a:extLst>
+          </p:cNvPr>
+          <p:cNvPicPr>
+            <a:picLocks noChangeAspect="1"/>
+          </p:cNvPicPr>
+          <p:nvPr/>
+        </p:nvPicPr>
+        <p:blipFill>
+          <a:blip r:embed="rId2"/>
+          <a:stretch>
+            <a:fillRect/>
+          </a:stretch>
+        </p:blipFill>
+        <p:spPr>
+          <a:xfrm>
+            <a:off x="804204" y="2152035"/>
+            <a:ext cx="1744579" cy="3429000"/>
+          </a:xfrm>
+          <a:prstGeom prst="rect">
+            <a:avLst/>
+          </a:prstGeom>
+        </p:spPr>
+      </p:pic>
+      <p:sp>
+        <p:nvSpPr>
+          <p:cNvPr id="6" name="Rectángulo 5">
+            <a:extLst>
+              <a:ext uri="{FF2B5EF4-FFF2-40B4-BE49-F238E27FC236}">
+                <a16:creationId xmlns:a16="http://schemas.microsoft.com/office/drawing/2014/main" id="{4442D932-6A18-4612-834E-C557112FB271}"/>
+              </a:ext>
+            </a:extLst>
+          </p:cNvPr>
+          <p:cNvSpPr/>
+          <p:nvPr/>
+        </p:nvSpPr>
+        <p:spPr>
+          <a:xfrm>
+            <a:off x="2628253" y="2505749"/>
+            <a:ext cx="1744578" cy="633046"/>
+          </a:xfrm>
+          <a:prstGeom prst="rect">
+            <a:avLst/>
+          </a:prstGeom>
+        </p:spPr>
+        <p:style>
+          <a:lnRef idx="2">
+            <a:schemeClr val="dk1"/>
+          </a:lnRef>
+          <a:fillRef idx="1">
+            <a:schemeClr val="lt1"/>
+          </a:fillRef>
+          <a:effectRef idx="0">
+            <a:schemeClr val="dk1"/>
+          </a:effectRef>
+          <a:fontRef idx="minor">
+            <a:schemeClr val="dk1"/>
+          </a:fontRef>
+        </p:style>
+        <p:txBody>
+          <a:bodyPr rtlCol="0" anchor="ctr"/>
+          <a:lstStyle/>
+          <a:p>
+            <a:pPr algn="ctr"/>
+            <a:r>
+              <a:rPr lang="es-PE" sz="2400" dirty="0"/>
+              <a:t>HTML</a:t>
+            </a:r>
+          </a:p>
+        </p:txBody>
+      </p:sp>
+      <p:sp>
+        <p:nvSpPr>
+          <p:cNvPr id="7" name="Rectángulo 6">
+            <a:extLst>
+              <a:ext uri="{FF2B5EF4-FFF2-40B4-BE49-F238E27FC236}">
+                <a16:creationId xmlns:a16="http://schemas.microsoft.com/office/drawing/2014/main" id="{4D7AF71F-6DD9-4482-9D66-8E788FFFF24C}"/>
+              </a:ext>
+            </a:extLst>
+          </p:cNvPr>
+          <p:cNvSpPr/>
+          <p:nvPr/>
+        </p:nvSpPr>
+        <p:spPr>
+          <a:xfrm>
+            <a:off x="2628253" y="4098591"/>
+            <a:ext cx="1744579" cy="633046"/>
+          </a:xfrm>
+          <a:prstGeom prst="rect">
+            <a:avLst/>
+          </a:prstGeom>
+        </p:spPr>
+        <p:style>
+          <a:lnRef idx="2">
+            <a:schemeClr val="dk1"/>
+          </a:lnRef>
+          <a:fillRef idx="1">
+            <a:schemeClr val="lt1"/>
+          </a:fillRef>
+          <a:effectRef idx="0">
+            <a:schemeClr val="dk1"/>
+          </a:effectRef>
+          <a:fontRef idx="minor">
+            <a:schemeClr val="dk1"/>
+          </a:fontRef>
+        </p:style>
+        <p:txBody>
+          <a:bodyPr rtlCol="0" anchor="ctr"/>
+          <a:lstStyle/>
+          <a:p>
+            <a:pPr algn="ctr"/>
+            <a:r>
+              <a:rPr lang="es-PE" sz="2400" dirty="0"/>
+              <a:t>JavaScript</a:t>
+            </a:r>
+          </a:p>
+        </p:txBody>
+      </p:sp>
+      <p:sp>
+        <p:nvSpPr>
+          <p:cNvPr id="8" name="Rectángulo 7">
+            <a:extLst>
+              <a:ext uri="{FF2B5EF4-FFF2-40B4-BE49-F238E27FC236}">
+                <a16:creationId xmlns:a16="http://schemas.microsoft.com/office/drawing/2014/main" id="{A470CEC2-4020-4159-A0A4-A847C4774DA2}"/>
+              </a:ext>
+            </a:extLst>
+          </p:cNvPr>
+          <p:cNvSpPr/>
+          <p:nvPr/>
+        </p:nvSpPr>
+        <p:spPr>
+          <a:xfrm>
+            <a:off x="2628253" y="3302170"/>
+            <a:ext cx="1744579" cy="633046"/>
+          </a:xfrm>
+          <a:prstGeom prst="rect">
+            <a:avLst/>
+          </a:prstGeom>
+        </p:spPr>
+        <p:style>
+          <a:lnRef idx="2">
+            <a:schemeClr val="dk1"/>
+          </a:lnRef>
+          <a:fillRef idx="1">
+            <a:schemeClr val="lt1"/>
+          </a:fillRef>
+          <a:effectRef idx="0">
+            <a:schemeClr val="dk1"/>
+          </a:effectRef>
+          <a:fontRef idx="minor">
+            <a:schemeClr val="dk1"/>
+          </a:fontRef>
+        </p:style>
+        <p:txBody>
+          <a:bodyPr rtlCol="0" anchor="ctr"/>
+          <a:lstStyle/>
+          <a:p>
+            <a:pPr algn="ctr"/>
+            <a:r>
+              <a:rPr lang="es-PE" sz="2400" dirty="0"/>
+              <a:t>CSS</a:t>
+            </a:r>
+          </a:p>
+        </p:txBody>
+      </p:sp>
+      <p:sp>
+        <p:nvSpPr>
+          <p:cNvPr id="9" name="Rectángulo 8">
+            <a:extLst>
+              <a:ext uri="{FF2B5EF4-FFF2-40B4-BE49-F238E27FC236}">
+                <a16:creationId xmlns:a16="http://schemas.microsoft.com/office/drawing/2014/main" id="{DDE7AB09-6D52-4359-AD38-8A2A8D1C6289}"/>
+              </a:ext>
+            </a:extLst>
+          </p:cNvPr>
+          <p:cNvSpPr/>
+          <p:nvPr/>
+        </p:nvSpPr>
+        <p:spPr>
+          <a:xfrm>
+            <a:off x="5046834" y="1688855"/>
+            <a:ext cx="5095972" cy="4513163"/>
+          </a:xfrm>
+          <a:prstGeom prst="rect">
+            <a:avLst/>
+          </a:prstGeom>
+        </p:spPr>
+        <p:style>
+          <a:lnRef idx="2">
+            <a:schemeClr val="accent5"/>
+          </a:lnRef>
+          <a:fillRef idx="1">
+            <a:schemeClr val="lt1"/>
+          </a:fillRef>
+          <a:effectRef idx="0">
+            <a:schemeClr val="accent5"/>
+          </a:effectRef>
+          <a:fontRef idx="minor">
+            <a:schemeClr val="dk1"/>
+          </a:fontRef>
+        </p:style>
+        <p:txBody>
+          <a:bodyPr rtlCol="0" anchor="b"/>
+          <a:lstStyle/>
+          <a:p>
+            <a:pPr algn="ctr"/>
+            <a:r>
+              <a:rPr lang="es-PE" sz="2400" b="1" dirty="0"/>
+              <a:t>BACK-END</a:t>
+            </a:r>
+          </a:p>
+        </p:txBody>
+      </p:sp>
+      <p:sp>
+        <p:nvSpPr>
+          <p:cNvPr id="10" name="Rectángulo 9">
+            <a:extLst>
+              <a:ext uri="{FF2B5EF4-FFF2-40B4-BE49-F238E27FC236}">
+                <a16:creationId xmlns:a16="http://schemas.microsoft.com/office/drawing/2014/main" id="{A3581555-475D-4E00-91EE-DF2243BD7216}"/>
+              </a:ext>
+            </a:extLst>
+          </p:cNvPr>
+          <p:cNvSpPr/>
+          <p:nvPr/>
+        </p:nvSpPr>
+        <p:spPr>
+          <a:xfrm>
+            <a:off x="669388" y="1688856"/>
+            <a:ext cx="3882684" cy="4513164"/>
+          </a:xfrm>
+          <a:prstGeom prst="rect">
+            <a:avLst/>
+          </a:prstGeom>
+          <a:noFill/>
+        </p:spPr>
+        <p:style>
+          <a:lnRef idx="2">
+            <a:schemeClr val="accent2"/>
+          </a:lnRef>
+          <a:fillRef idx="1">
+            <a:schemeClr val="lt1"/>
+          </a:fillRef>
+          <a:effectRef idx="0">
+            <a:schemeClr val="accent2"/>
+          </a:effectRef>
+          <a:fontRef idx="minor">
+            <a:schemeClr val="dk1"/>
+          </a:fontRef>
+        </p:style>
+        <p:txBody>
+          <a:bodyPr rtlCol="0" anchor="b"/>
+          <a:lstStyle/>
+          <a:p>
+            <a:pPr algn="ctr"/>
+            <a:r>
+              <a:rPr lang="es-PE" sz="2400" b="1" dirty="0"/>
+              <a:t>FRONT-END</a:t>
+            </a:r>
+          </a:p>
+        </p:txBody>
+      </p:sp>
+      <p:pic>
+        <p:nvPicPr>
+          <p:cNvPr id="12" name="Imagen 11" descr="Forma&#10;&#10;Descripción generada automáticamente con confianza baja">
+            <a:extLst>
+              <a:ext uri="{FF2B5EF4-FFF2-40B4-BE49-F238E27FC236}">
+                <a16:creationId xmlns:a16="http://schemas.microsoft.com/office/drawing/2014/main" id="{8E781FC1-CC7E-4555-A149-52D567D7B44E}"/>
+              </a:ext>
+            </a:extLst>
+          </p:cNvPr>
+          <p:cNvPicPr>
+            <a:picLocks noChangeAspect="1"/>
+          </p:cNvPicPr>
+          <p:nvPr/>
+        </p:nvPicPr>
+        <p:blipFill>
+          <a:blip r:embed="rId3">
+            <a:extLst>
+              <a:ext uri="{28A0092B-C50C-407E-A947-70E740481C1C}">
+                <a14:useLocalDpi xmlns:a14="http://schemas.microsoft.com/office/drawing/2010/main" val="0"/>
+              </a:ext>
+            </a:extLst>
+          </a:blip>
+          <a:stretch>
+            <a:fillRect/>
+          </a:stretch>
+        </p:blipFill>
+        <p:spPr>
+          <a:xfrm>
+            <a:off x="10521390" y="2520197"/>
+            <a:ext cx="1282651" cy="1282651"/>
+          </a:xfrm>
+          <a:prstGeom prst="rect">
+            <a:avLst/>
+          </a:prstGeom>
+        </p:spPr>
+      </p:pic>
+      <p:sp>
+        <p:nvSpPr>
+          <p:cNvPr id="13" name="Rectángulo 12">
+            <a:extLst>
+              <a:ext uri="{FF2B5EF4-FFF2-40B4-BE49-F238E27FC236}">
+                <a16:creationId xmlns:a16="http://schemas.microsoft.com/office/drawing/2014/main" id="{6DA656AA-9F70-4061-904F-D8A8266546E9}"/>
+              </a:ext>
+            </a:extLst>
+          </p:cNvPr>
+          <p:cNvSpPr/>
+          <p:nvPr/>
+        </p:nvSpPr>
+        <p:spPr>
+          <a:xfrm>
+            <a:off x="8048005" y="2437010"/>
+            <a:ext cx="1744578" cy="633046"/>
+          </a:xfrm>
+          <a:prstGeom prst="rect">
+            <a:avLst/>
+          </a:prstGeom>
+        </p:spPr>
+        <p:style>
+          <a:lnRef idx="2">
+            <a:schemeClr val="dk1"/>
+          </a:lnRef>
+          <a:fillRef idx="1">
+            <a:schemeClr val="lt1"/>
+          </a:fillRef>
+          <a:effectRef idx="0">
+            <a:schemeClr val="dk1"/>
+          </a:effectRef>
+          <a:fontRef idx="minor">
+            <a:schemeClr val="dk1"/>
+          </a:fontRef>
+        </p:style>
+        <p:txBody>
+          <a:bodyPr rtlCol="0" anchor="ctr"/>
+          <a:lstStyle/>
+          <a:p>
+            <a:pPr algn="ctr"/>
+            <a:r>
+              <a:rPr lang="es-PE" sz="2400" dirty="0"/>
+              <a:t>Entidades</a:t>
+            </a:r>
+          </a:p>
+        </p:txBody>
+      </p:sp>
+      <p:sp>
+        <p:nvSpPr>
+          <p:cNvPr id="14" name="Rectángulo 13">
+            <a:extLst>
+              <a:ext uri="{FF2B5EF4-FFF2-40B4-BE49-F238E27FC236}">
+                <a16:creationId xmlns:a16="http://schemas.microsoft.com/office/drawing/2014/main" id="{855C2EE2-0F03-470C-BC70-5D858015C813}"/>
+              </a:ext>
+            </a:extLst>
+          </p:cNvPr>
+          <p:cNvSpPr/>
+          <p:nvPr/>
+        </p:nvSpPr>
+        <p:spPr>
+          <a:xfrm>
+            <a:off x="8048005" y="3331920"/>
+            <a:ext cx="1744578" cy="633046"/>
+          </a:xfrm>
+          <a:prstGeom prst="rect">
+            <a:avLst/>
+          </a:prstGeom>
+        </p:spPr>
+        <p:style>
+          <a:lnRef idx="2">
+            <a:schemeClr val="dk1"/>
+          </a:lnRef>
+          <a:fillRef idx="1">
+            <a:schemeClr val="lt1"/>
+          </a:fillRef>
+          <a:effectRef idx="0">
+            <a:schemeClr val="dk1"/>
+          </a:effectRef>
+          <a:fontRef idx="minor">
+            <a:schemeClr val="dk1"/>
+          </a:fontRef>
+        </p:style>
+        <p:txBody>
+          <a:bodyPr rtlCol="0" anchor="ctr"/>
+          <a:lstStyle/>
+          <a:p>
+            <a:pPr algn="ctr"/>
+            <a:r>
+              <a:rPr lang="es-PE" sz="2400" dirty="0"/>
+              <a:t>Repositorios</a:t>
+            </a:r>
+          </a:p>
+        </p:txBody>
+      </p:sp>
+      <p:sp>
+        <p:nvSpPr>
+          <p:cNvPr id="15" name="Rectángulo 14">
+            <a:extLst>
+              <a:ext uri="{FF2B5EF4-FFF2-40B4-BE49-F238E27FC236}">
+                <a16:creationId xmlns:a16="http://schemas.microsoft.com/office/drawing/2014/main" id="{12E74BB2-83A1-4631-B909-C0B9F9F8238C}"/>
+              </a:ext>
+            </a:extLst>
+          </p:cNvPr>
+          <p:cNvSpPr/>
+          <p:nvPr/>
+        </p:nvSpPr>
+        <p:spPr>
+          <a:xfrm>
+            <a:off x="5394613" y="3313125"/>
+            <a:ext cx="2120706" cy="633046"/>
+          </a:xfrm>
+          <a:prstGeom prst="rect">
+            <a:avLst/>
+          </a:prstGeom>
+        </p:spPr>
+        <p:style>
+          <a:lnRef idx="2">
+            <a:schemeClr val="dk1"/>
+          </a:lnRef>
+          <a:fillRef idx="1">
+            <a:schemeClr val="lt1"/>
+          </a:fillRef>
+          <a:effectRef idx="0">
+            <a:schemeClr val="dk1"/>
+          </a:effectRef>
+          <a:fontRef idx="minor">
+            <a:schemeClr val="dk1"/>
+          </a:fontRef>
+        </p:style>
+        <p:txBody>
+          <a:bodyPr rtlCol="0" anchor="ctr"/>
+          <a:lstStyle/>
+          <a:p>
+            <a:pPr algn="ctr"/>
+            <a:r>
+              <a:rPr lang="es-PE" sz="2400" dirty="0"/>
+              <a:t>Controladores</a:t>
+            </a:r>
+          </a:p>
+        </p:txBody>
+      </p:sp>
+      <p:sp>
+        <p:nvSpPr>
+          <p:cNvPr id="16" name="Rectángulo 15">
+            <a:extLst>
+              <a:ext uri="{FF2B5EF4-FFF2-40B4-BE49-F238E27FC236}">
+                <a16:creationId xmlns:a16="http://schemas.microsoft.com/office/drawing/2014/main" id="{327A20A4-6BB7-45A7-BDF0-08FD96AAB6B8}"/>
+              </a:ext>
+            </a:extLst>
+          </p:cNvPr>
+          <p:cNvSpPr/>
+          <p:nvPr/>
+        </p:nvSpPr>
+        <p:spPr>
+          <a:xfrm>
+            <a:off x="5394613" y="2418215"/>
+            <a:ext cx="2120706" cy="633046"/>
+          </a:xfrm>
+          <a:prstGeom prst="rect">
+            <a:avLst/>
+          </a:prstGeom>
+        </p:spPr>
+        <p:style>
+          <a:lnRef idx="2">
+            <a:schemeClr val="dk1"/>
+          </a:lnRef>
+          <a:fillRef idx="1">
+            <a:schemeClr val="lt1"/>
+          </a:fillRef>
+          <a:effectRef idx="0">
+            <a:schemeClr val="dk1"/>
+          </a:effectRef>
+          <a:fontRef idx="minor">
+            <a:schemeClr val="dk1"/>
+          </a:fontRef>
+        </p:style>
+        <p:txBody>
+          <a:bodyPr rtlCol="0" anchor="ctr"/>
+          <a:lstStyle/>
+          <a:p>
+            <a:pPr algn="ctr"/>
+            <a:r>
+              <a:rPr lang="es-PE" sz="2400" dirty="0" err="1"/>
+              <a:t>DTOs</a:t>
+            </a:r>
+            <a:endParaRPr lang="es-PE" sz="2400" dirty="0"/>
+          </a:p>
+        </p:txBody>
+      </p:sp>
+      <p:sp>
+        <p:nvSpPr>
+          <p:cNvPr id="17" name="Rectángulo 16">
+            <a:extLst>
+              <a:ext uri="{FF2B5EF4-FFF2-40B4-BE49-F238E27FC236}">
+                <a16:creationId xmlns:a16="http://schemas.microsoft.com/office/drawing/2014/main" id="{19B1281E-6D23-40F5-9B73-501CB3214230}"/>
+              </a:ext>
+            </a:extLst>
+          </p:cNvPr>
+          <p:cNvSpPr/>
+          <p:nvPr/>
+        </p:nvSpPr>
+        <p:spPr>
+          <a:xfrm>
+            <a:off x="5260761" y="2154600"/>
+            <a:ext cx="2365393" cy="2826096"/>
+          </a:xfrm>
+          <a:prstGeom prst="rect">
+            <a:avLst/>
+          </a:prstGeom>
+          <a:noFill/>
+        </p:spPr>
+        <p:style>
+          <a:lnRef idx="2">
+            <a:schemeClr val="accent6"/>
+          </a:lnRef>
+          <a:fillRef idx="1">
+            <a:schemeClr val="lt1"/>
+          </a:fillRef>
+          <a:effectRef idx="0">
+            <a:schemeClr val="accent6"/>
+          </a:effectRef>
+          <a:fontRef idx="minor">
+            <a:schemeClr val="dk1"/>
+          </a:fontRef>
+        </p:style>
+        <p:txBody>
+          <a:bodyPr rtlCol="0" anchor="b"/>
+          <a:lstStyle/>
+          <a:p>
+            <a:pPr algn="ctr"/>
+            <a:r>
+              <a:rPr lang="es-PE" sz="2400" b="1" dirty="0"/>
+              <a:t>Capa Web</a:t>
+            </a:r>
+          </a:p>
+        </p:txBody>
+      </p:sp>
+      <p:sp>
+        <p:nvSpPr>
+          <p:cNvPr id="18" name="Rectángulo 17">
+            <a:extLst>
+              <a:ext uri="{FF2B5EF4-FFF2-40B4-BE49-F238E27FC236}">
+                <a16:creationId xmlns:a16="http://schemas.microsoft.com/office/drawing/2014/main" id="{C100E583-9036-4E04-8636-638C878360D1}"/>
+              </a:ext>
+            </a:extLst>
+          </p:cNvPr>
+          <p:cNvSpPr/>
+          <p:nvPr/>
+        </p:nvSpPr>
+        <p:spPr>
+          <a:xfrm>
+            <a:off x="7906047" y="2152035"/>
+            <a:ext cx="2039812" cy="2826096"/>
+          </a:xfrm>
+          <a:prstGeom prst="rect">
+            <a:avLst/>
+          </a:prstGeom>
+          <a:noFill/>
+        </p:spPr>
+        <p:style>
+          <a:lnRef idx="2">
+            <a:schemeClr val="accent3"/>
+          </a:lnRef>
+          <a:fillRef idx="1">
+            <a:schemeClr val="lt1"/>
+          </a:fillRef>
+          <a:effectRef idx="0">
+            <a:schemeClr val="accent3"/>
+          </a:effectRef>
+          <a:fontRef idx="minor">
+            <a:schemeClr val="dk1"/>
+          </a:fontRef>
+        </p:style>
+        <p:txBody>
+          <a:bodyPr rtlCol="0" anchor="b"/>
+          <a:lstStyle/>
+          <a:p>
+            <a:pPr algn="ctr"/>
+            <a:r>
+              <a:rPr lang="es-PE" sz="2400" b="1" dirty="0"/>
+              <a:t>Capa de base de datos</a:t>
+            </a:r>
+          </a:p>
+        </p:txBody>
+      </p:sp>
+      <p:sp>
+        <p:nvSpPr>
+          <p:cNvPr id="19" name="CuadroTexto 18">
+            <a:extLst>
+              <a:ext uri="{FF2B5EF4-FFF2-40B4-BE49-F238E27FC236}">
+                <a16:creationId xmlns:a16="http://schemas.microsoft.com/office/drawing/2014/main" id="{E89ECA76-0D5A-4ED2-B765-2A5C31DDE8D8}"/>
+              </a:ext>
+            </a:extLst>
+          </p:cNvPr>
+          <p:cNvSpPr txBox="1"/>
+          <p:nvPr/>
+        </p:nvSpPr>
+        <p:spPr>
+          <a:xfrm>
+            <a:off x="10521390" y="3802848"/>
+            <a:ext cx="1282651" cy="1569660"/>
+          </a:xfrm>
+          <a:prstGeom prst="rect">
+            <a:avLst/>
+          </a:prstGeom>
+          <a:noFill/>
+        </p:spPr>
+        <p:txBody>
+          <a:bodyPr wrap="square" rtlCol="0">
+            <a:spAutoFit/>
+          </a:bodyPr>
+          <a:lstStyle/>
+          <a:p>
+            <a:pPr algn="ctr"/>
+            <a:r>
+              <a:rPr lang="es-PE" sz="2400" b="1" dirty="0"/>
+              <a:t>Base de datos SQL Server</a:t>
+            </a:r>
+          </a:p>
+        </p:txBody>
+      </p:sp>
+    </p:spTree>
+    <p:extLst>
+      <p:ext uri="{BB962C8B-B14F-4D97-AF65-F5344CB8AC3E}">
+        <p14:creationId xmlns:p14="http://schemas.microsoft.com/office/powerpoint/2010/main" val="285926609"/>
+      </p:ext>
+    </p:extLst>
+  </p:cSld>
+  <p:clrMapOvr>
+    <a:masterClrMapping/>
+  </p:clrMapOvr>
+</p:sld>
+</file>
+
+<file path=ppt/slides/slide3.xml><?xml version="1.0" encoding="utf-8"?>
+<p:sld xmlns:a="http://schemas.openxmlformats.org/drawingml/2006/main" xmlns:r="http://schemas.openxmlformats.org/officeDocument/2006/relationships" xmlns:p="http://schemas.openxmlformats.org/presentationml/2006/main">
+  <p:cSld>
+    <p:spTree>
+      <p:nvGrpSpPr>
+        <p:cNvPr id="1" name=""/>
+        <p:cNvGrpSpPr/>
+        <p:nvPr/>
+      </p:nvGrpSpPr>
+      <p:grpSpPr>
+        <a:xfrm>
+          <a:off x="0" y="0"/>
+          <a:ext cx="0" cy="0"/>
+          <a:chOff x="0" y="0"/>
+          <a:chExt cx="0" cy="0"/>
+        </a:xfrm>
+      </p:grpSpPr>
+      <p:sp>
+        <p:nvSpPr>
+          <p:cNvPr id="2" name="Título 1">
+            <a:extLst>
+              <a:ext uri="{FF2B5EF4-FFF2-40B4-BE49-F238E27FC236}">
                 <a16:creationId xmlns:a16="http://schemas.microsoft.com/office/drawing/2014/main" id="{6627A319-B126-4777-B081-7CBDDE9713BC}"/>
               </a:ext>
             </a:extLst>
@@ -3605,7 +4286,7 @@
 </p:sld>
 </file>
 
-<file path=ppt/slides/slide3.xml><?xml version="1.0" encoding="utf-8"?>
+<file path=ppt/slides/slide4.xml><?xml version="1.0" encoding="utf-8"?>
 <p:sld xmlns:a="http://schemas.openxmlformats.org/drawingml/2006/main" xmlns:r="http://schemas.openxmlformats.org/officeDocument/2006/relationships" xmlns:p="http://schemas.openxmlformats.org/presentationml/2006/main">
   <p:cSld>
     <p:spTree>
@@ -3816,176 +4497,6 @@
 </p:sld>
 </file>
 
-<file path=ppt/slides/slide4.xml><?xml version="1.0" encoding="utf-8"?>
-<p:sld xmlns:a="http://schemas.openxmlformats.org/drawingml/2006/main" xmlns:r="http://schemas.openxmlformats.org/officeDocument/2006/relationships" xmlns:p="http://schemas.openxmlformats.org/presentationml/2006/main">
-  <p:cSld>
-    <p:spTree>
-      <p:nvGrpSpPr>
-        <p:cNvPr id="1" name=""/>
-        <p:cNvGrpSpPr/>
-        <p:nvPr/>
-      </p:nvGrpSpPr>
-      <p:grpSpPr>
-        <a:xfrm>
-          <a:off x="0" y="0"/>
-          <a:ext cx="0" cy="0"/>
-          <a:chOff x="0" y="0"/>
-          <a:chExt cx="0" cy="0"/>
-        </a:xfrm>
-      </p:grpSpPr>
-      <p:sp>
-        <p:nvSpPr>
-          <p:cNvPr id="2" name="Título 1">
-            <a:extLst>
-              <a:ext uri="{FF2B5EF4-FFF2-40B4-BE49-F238E27FC236}">
-                <a16:creationId xmlns:a16="http://schemas.microsoft.com/office/drawing/2014/main" id="{1ADADE47-9592-4E05-91E4-F38D1D2401AE}"/>
-              </a:ext>
-            </a:extLst>
-          </p:cNvPr>
-          <p:cNvSpPr>
-            <a:spLocks noGrp="1"/>
-          </p:cNvSpPr>
-          <p:nvPr>
-            <p:ph type="title"/>
-          </p:nvPr>
-        </p:nvSpPr>
-        <p:spPr/>
-        <p:txBody>
-          <a:bodyPr/>
-          <a:lstStyle/>
-          <a:p>
-            <a:r>
-              <a:rPr lang="es-PE" b="1" dirty="0"/>
-              <a:t>Back-</a:t>
-            </a:r>
-            <a:r>
-              <a:rPr lang="es-PE" b="1" dirty="0" err="1"/>
-              <a:t>end</a:t>
-            </a:r>
-            <a:endParaRPr lang="es-PE" b="1" dirty="0"/>
-          </a:p>
-        </p:txBody>
-      </p:sp>
-      <p:sp>
-        <p:nvSpPr>
-          <p:cNvPr id="3" name="Marcador de contenido 2">
-            <a:extLst>
-              <a:ext uri="{FF2B5EF4-FFF2-40B4-BE49-F238E27FC236}">
-                <a16:creationId xmlns:a16="http://schemas.microsoft.com/office/drawing/2014/main" id="{6A62653E-88BA-402F-B9D8-49FEC1A75671}"/>
-              </a:ext>
-            </a:extLst>
-          </p:cNvPr>
-          <p:cNvSpPr>
-            <a:spLocks noGrp="1"/>
-          </p:cNvSpPr>
-          <p:nvPr>
-            <p:ph idx="1"/>
-          </p:nvPr>
-        </p:nvSpPr>
-        <p:spPr/>
-        <p:txBody>
-          <a:bodyPr/>
-          <a:lstStyle/>
-          <a:p>
-            <a:r>
-              <a:rPr lang="es-PE" dirty="0"/>
-              <a:t>Capa de base de datos</a:t>
-            </a:r>
-          </a:p>
-          <a:p>
-            <a:pPr lvl="1"/>
-            <a:r>
-              <a:rPr lang="es-PE" dirty="0"/>
-              <a:t>Entidades de base de datos</a:t>
-            </a:r>
-          </a:p>
-          <a:p>
-            <a:pPr lvl="2"/>
-            <a:r>
-              <a:rPr lang="es-PE" dirty="0"/>
-              <a:t>Representan las </a:t>
-            </a:r>
-            <a:r>
-              <a:rPr lang="es-PE" b="1" dirty="0"/>
-              <a:t>tablas de base de datos</a:t>
-            </a:r>
-          </a:p>
-          <a:p>
-            <a:pPr lvl="2"/>
-            <a:r>
-              <a:rPr lang="es-PE" dirty="0"/>
-              <a:t>Requieren de un identificador (ID), normalmente autogenerado.</a:t>
-            </a:r>
-          </a:p>
-          <a:p>
-            <a:pPr lvl="2"/>
-            <a:r>
-              <a:rPr lang="es-PE" dirty="0"/>
-              <a:t>Puede colocarse como atributos de la clase otras entidades, por ejemplo para representar relaciones uno-a-muchos o muchos-a-muchos.</a:t>
-            </a:r>
-          </a:p>
-          <a:p>
-            <a:pPr lvl="1"/>
-            <a:r>
-              <a:rPr lang="es-PE" dirty="0"/>
-              <a:t>Repositorios de base de datos</a:t>
-            </a:r>
-          </a:p>
-          <a:p>
-            <a:pPr lvl="2"/>
-            <a:r>
-              <a:rPr lang="es-PE" dirty="0"/>
-              <a:t>Representan las consultas a las tablas de base de datos (</a:t>
-            </a:r>
-            <a:r>
-              <a:rPr lang="es-PE" b="1" dirty="0" err="1"/>
-              <a:t>queries</a:t>
-            </a:r>
-            <a:r>
-              <a:rPr lang="es-PE" dirty="0"/>
-              <a:t>)</a:t>
-            </a:r>
-          </a:p>
-          <a:p>
-            <a:pPr lvl="2"/>
-            <a:r>
-              <a:rPr lang="es-PE" dirty="0"/>
-              <a:t>Por defecto ya vienen con métodos para insertar, actualizar y eliminar</a:t>
-            </a:r>
-          </a:p>
-          <a:p>
-            <a:pPr lvl="2"/>
-            <a:r>
-              <a:rPr lang="es-PE" dirty="0"/>
-              <a:t>Además tienen métodos comunes (buscar por ID, buscar por una columna de la tabla)</a:t>
-            </a:r>
-          </a:p>
-          <a:p>
-            <a:pPr lvl="2"/>
-            <a:r>
-              <a:rPr lang="es-PE" dirty="0"/>
-              <a:t>Si se desea implementar una búsqueda más completa, se puede colocar la sentencia SQL, o usar sentencias JPQL (lenguaje parecido a SQL pero con elementos de Java)</a:t>
-            </a:r>
-          </a:p>
-          <a:p>
-            <a:pPr lvl="2"/>
-            <a:endParaRPr lang="es-PE" dirty="0"/>
-          </a:p>
-        </p:txBody>
-      </p:sp>
-    </p:spTree>
-    <p:extLst>
-      <p:ext uri="{BB962C8B-B14F-4D97-AF65-F5344CB8AC3E}">
-        <p14:creationId xmlns:p14="http://schemas.microsoft.com/office/powerpoint/2010/main" val="3750981047"/>
-      </p:ext>
-    </p:extLst>
-  </p:cSld>
-  <p:clrMapOvr>
-    <a:masterClrMapping/>
-  </p:clrMapOvr>
-</p:sld>
-</file>
-
 <file path=ppt/slides/slide5.xml><?xml version="1.0" encoding="utf-8"?>
 <p:sld xmlns:a="http://schemas.openxmlformats.org/drawingml/2006/main" xmlns:r="http://schemas.openxmlformats.org/officeDocument/2006/relationships" xmlns:p="http://schemas.openxmlformats.org/presentationml/2006/main">
   <p:cSld>
@@ -4054,127 +4565,99 @@
         </p:nvSpPr>
         <p:spPr/>
         <p:txBody>
-          <a:bodyPr>
-            <a:normAutofit/>
-          </a:bodyPr>
+          <a:bodyPr/>
           <a:lstStyle/>
           <a:p>
             <a:r>
               <a:rPr lang="es-PE" dirty="0"/>
-              <a:t>Capa del servicio Web</a:t>
+              <a:t>Capa de base de datos</a:t>
             </a:r>
           </a:p>
           <a:p>
             <a:pPr lvl="1"/>
             <a:r>
               <a:rPr lang="es-PE" dirty="0"/>
-              <a:t>Entidades de transferencia de datos (DTO)</a:t>
+              <a:t>Entidades de base de datos</a:t>
             </a:r>
           </a:p>
           <a:p>
             <a:pPr lvl="2"/>
             <a:r>
               <a:rPr lang="es-PE" dirty="0"/>
-              <a:t>Son objetos que representan los datos que se envían y reciben en las </a:t>
+              <a:t>Representan las </a:t>
             </a:r>
             <a:r>
               <a:rPr lang="es-PE" b="1" dirty="0"/>
-              <a:t>peticiones AJAX </a:t>
-            </a:r>
+              <a:t>tablas de base de datos</a:t>
+            </a:r>
+          </a:p>
+          <a:p>
+            <a:pPr lvl="2"/>
             <a:r>
               <a:rPr lang="es-PE" dirty="0"/>
-              <a:t>entre el </a:t>
-            </a:r>
-            <a:r>
-              <a:rPr lang="es-PE" dirty="0" err="1"/>
-              <a:t>front-end</a:t>
-            </a:r>
+              <a:t>Requieren de un identificador (ID), normalmente autogenerado.</a:t>
+            </a:r>
+          </a:p>
+          <a:p>
+            <a:pPr lvl="2"/>
             <a:r>
               <a:rPr lang="es-PE" dirty="0"/>
-              <a:t> y el back-</a:t>
-            </a:r>
-            <a:r>
-              <a:rPr lang="es-PE" dirty="0" err="1"/>
-              <a:t>end</a:t>
-            </a:r>
+              <a:t>Puede colocarse como atributos de la clase otras entidades, por ejemplo para representar relaciones uno-a-muchos o muchos-a-muchos.</a:t>
+            </a:r>
+          </a:p>
+          <a:p>
+            <a:pPr lvl="1"/>
+            <a:r>
+              <a:rPr lang="es-PE" dirty="0"/>
+              <a:t>Repositorios de base de datos</a:t>
+            </a:r>
+          </a:p>
+          <a:p>
+            <a:pPr lvl="2"/>
+            <a:r>
+              <a:rPr lang="es-PE" dirty="0"/>
+              <a:t>Representan las consultas a las tablas de base de datos (</a:t>
+            </a:r>
+            <a:r>
+              <a:rPr lang="es-PE" b="1" dirty="0" err="1"/>
+              <a:t>queries</a:t>
+            </a:r>
+            <a:r>
+              <a:rPr lang="es-PE" dirty="0"/>
+              <a:t>)</a:t>
+            </a:r>
+          </a:p>
+          <a:p>
+            <a:pPr lvl="2"/>
+            <a:r>
+              <a:rPr lang="es-PE" dirty="0"/>
+              <a:t>Por defecto ya vienen con métodos para insertar, actualizar y eliminar</a:t>
+            </a:r>
+          </a:p>
+          <a:p>
+            <a:pPr lvl="2"/>
+            <a:r>
+              <a:rPr lang="es-PE" dirty="0"/>
+              <a:t>Además tienen métodos comunes (buscar por ID, buscar por una columna de la tabla)</a:t>
+            </a:r>
+          </a:p>
+          <a:p>
+            <a:pPr lvl="2"/>
+            <a:r>
+              <a:rPr lang="es-PE" dirty="0"/>
+              <a:t>Si se desea implementar una búsqueda más completa, se puede colocar la sentencia SQL, o usar sentencias JPQL (lenguaje parecido a SQL pero con elementos de Java)</a:t>
+            </a:r>
+          </a:p>
+          <a:p>
+            <a:pPr lvl="2"/>
             <a:endParaRPr lang="es-PE" dirty="0"/>
-          </a:p>
-          <a:p>
-            <a:pPr lvl="2"/>
-            <a:r>
-              <a:rPr lang="es-PE" dirty="0"/>
-              <a:t>Por ejemplo, el </a:t>
-            </a:r>
-            <a:r>
-              <a:rPr lang="es-PE" dirty="0" err="1"/>
-              <a:t>front-end</a:t>
-            </a:r>
-            <a:r>
-              <a:rPr lang="es-PE" dirty="0"/>
-              <a:t> puede enviar una petición para buscar un alumno:</a:t>
-            </a:r>
-          </a:p>
-          <a:p>
-            <a:pPr lvl="3"/>
-            <a:r>
-              <a:rPr lang="es-PE" dirty="0"/>
-              <a:t>El objeto de entrada puede contener: filtro por nombre, filtro por apellidos, filtro por DNI</a:t>
-            </a:r>
-          </a:p>
-          <a:p>
-            <a:pPr lvl="3"/>
-            <a:r>
-              <a:rPr lang="es-PE" dirty="0"/>
-              <a:t>Los objetos de salida pueden contener: ID, nombre completo del alumno, DNI, fecha de nacimiento, grado al que pertenece este año, nombre completo del docente encargado</a:t>
-            </a:r>
-          </a:p>
-          <a:p>
-            <a:pPr lvl="1"/>
-            <a:r>
-              <a:rPr lang="es-PE" dirty="0"/>
-              <a:t>Controladores</a:t>
-            </a:r>
-          </a:p>
-          <a:p>
-            <a:pPr lvl="2"/>
-            <a:r>
-              <a:rPr lang="es-PE" dirty="0"/>
-              <a:t>Representan una serie de métodos con la lógica necesaria para mostrar las diferentes páginas de la aplicación Web, y/o responder a peticiones AJAX desde el </a:t>
-            </a:r>
-            <a:r>
-              <a:rPr lang="es-PE" dirty="0" err="1"/>
-              <a:t>front-end</a:t>
-            </a:r>
-            <a:r>
-              <a:rPr lang="es-PE" dirty="0"/>
-              <a:t>.</a:t>
-            </a:r>
-          </a:p>
-          <a:p>
-            <a:pPr lvl="2"/>
-            <a:r>
-              <a:rPr lang="es-PE" dirty="0"/>
-              <a:t>Son los métodos responsables de intercomunicar el </a:t>
-            </a:r>
-            <a:r>
-              <a:rPr lang="es-PE" dirty="0" err="1"/>
-              <a:t>front-end</a:t>
-            </a:r>
-            <a:r>
-              <a:rPr lang="es-PE" dirty="0"/>
-              <a:t> y la base de datos, haciendo de intermediario, representan la </a:t>
-            </a:r>
-            <a:r>
-              <a:rPr lang="es-PE" b="1" dirty="0"/>
-              <a:t>lógica del negocio.</a:t>
-            </a:r>
           </a:p>
         </p:txBody>
       </p:sp>
     </p:spTree>
     <p:extLst>
       <p:ext uri="{BB962C8B-B14F-4D97-AF65-F5344CB8AC3E}">
-        <p14:creationId xmlns:p14="http://schemas.microsoft.com/office/powerpoint/2010/main" val="1398086969"/>
+        <p14:creationId xmlns:p14="http://schemas.microsoft.com/office/powerpoint/2010/main" val="3750981047"/>
       </p:ext>
     </p:extLst>
   </p:cSld>
@@ -4206,7 +4689,7 @@
           <p:cNvPr id="2" name="Título 1">
             <a:extLst>
               <a:ext uri="{FF2B5EF4-FFF2-40B4-BE49-F238E27FC236}">
-                <a16:creationId xmlns:a16="http://schemas.microsoft.com/office/drawing/2014/main" id="{00E606DF-72FC-4F39-A1AE-CE1839F01D0B}"/>
+                <a16:creationId xmlns:a16="http://schemas.microsoft.com/office/drawing/2014/main" id="{1ADADE47-9592-4E05-91E4-F38D1D2401AE}"/>
               </a:ext>
             </a:extLst>
           </p:cNvPr>
@@ -4224,630 +4707,147 @@
           <a:p>
             <a:r>
               <a:rPr lang="es-PE" b="1" dirty="0"/>
-              <a:t>Arquitectura del sistema</a:t>
-            </a:r>
-          </a:p>
-        </p:txBody>
-      </p:sp>
-      <p:pic>
-        <p:nvPicPr>
-          <p:cNvPr id="5" name="Imagen 4">
-            <a:extLst>
-              <a:ext uri="{FF2B5EF4-FFF2-40B4-BE49-F238E27FC236}">
-                <a16:creationId xmlns:a16="http://schemas.microsoft.com/office/drawing/2014/main" id="{4BBE216F-028E-4FA8-AA36-C98C97DEBB93}"/>
-              </a:ext>
-            </a:extLst>
-          </p:cNvPr>
-          <p:cNvPicPr>
-            <a:picLocks noChangeAspect="1"/>
-          </p:cNvPicPr>
-          <p:nvPr/>
-        </p:nvPicPr>
-        <p:blipFill>
-          <a:blip r:embed="rId2"/>
-          <a:stretch>
-            <a:fillRect/>
-          </a:stretch>
-        </p:blipFill>
-        <p:spPr>
-          <a:xfrm>
-            <a:off x="804204" y="2152035"/>
-            <a:ext cx="1744579" cy="3429000"/>
-          </a:xfrm>
-          <a:prstGeom prst="rect">
-            <a:avLst/>
-          </a:prstGeom>
-        </p:spPr>
-      </p:pic>
-      <p:sp>
-        <p:nvSpPr>
-          <p:cNvPr id="6" name="Rectángulo 5">
-            <a:extLst>
-              <a:ext uri="{FF2B5EF4-FFF2-40B4-BE49-F238E27FC236}">
-                <a16:creationId xmlns:a16="http://schemas.microsoft.com/office/drawing/2014/main" id="{4442D932-6A18-4612-834E-C557112FB271}"/>
-              </a:ext>
-            </a:extLst>
-          </p:cNvPr>
-          <p:cNvSpPr/>
-          <p:nvPr/>
-        </p:nvSpPr>
-        <p:spPr>
-          <a:xfrm>
-            <a:off x="2628253" y="2505749"/>
-            <a:ext cx="1744578" cy="633046"/>
-          </a:xfrm>
-          <a:prstGeom prst="rect">
-            <a:avLst/>
-          </a:prstGeom>
-        </p:spPr>
-        <p:style>
-          <a:lnRef idx="2">
-            <a:schemeClr val="dk1"/>
-          </a:lnRef>
-          <a:fillRef idx="1">
-            <a:schemeClr val="lt1"/>
-          </a:fillRef>
-          <a:effectRef idx="0">
-            <a:schemeClr val="dk1"/>
-          </a:effectRef>
-          <a:fontRef idx="minor">
-            <a:schemeClr val="dk1"/>
-          </a:fontRef>
-        </p:style>
-        <p:txBody>
-          <a:bodyPr rtlCol="0" anchor="ctr"/>
-          <a:lstStyle/>
-          <a:p>
-            <a:pPr algn="ctr"/>
-            <a:r>
-              <a:rPr lang="es-PE" sz="2400" dirty="0"/>
-              <a:t>HTML</a:t>
-            </a:r>
-          </a:p>
-        </p:txBody>
-      </p:sp>
-      <p:sp>
-        <p:nvSpPr>
-          <p:cNvPr id="7" name="Rectángulo 6">
-            <a:extLst>
-              <a:ext uri="{FF2B5EF4-FFF2-40B4-BE49-F238E27FC236}">
-                <a16:creationId xmlns:a16="http://schemas.microsoft.com/office/drawing/2014/main" id="{4D7AF71F-6DD9-4482-9D66-8E788FFFF24C}"/>
-              </a:ext>
-            </a:extLst>
-          </p:cNvPr>
-          <p:cNvSpPr/>
-          <p:nvPr/>
-        </p:nvSpPr>
-        <p:spPr>
-          <a:xfrm>
-            <a:off x="2628253" y="4098591"/>
-            <a:ext cx="1744579" cy="633046"/>
-          </a:xfrm>
-          <a:prstGeom prst="rect">
-            <a:avLst/>
-          </a:prstGeom>
-        </p:spPr>
-        <p:style>
-          <a:lnRef idx="2">
-            <a:schemeClr val="dk1"/>
-          </a:lnRef>
-          <a:fillRef idx="1">
-            <a:schemeClr val="lt1"/>
-          </a:fillRef>
-          <a:effectRef idx="0">
-            <a:schemeClr val="dk1"/>
-          </a:effectRef>
-          <a:fontRef idx="minor">
-            <a:schemeClr val="dk1"/>
-          </a:fontRef>
-        </p:style>
-        <p:txBody>
-          <a:bodyPr rtlCol="0" anchor="ctr"/>
-          <a:lstStyle/>
-          <a:p>
-            <a:pPr algn="ctr"/>
-            <a:r>
-              <a:rPr lang="es-PE" sz="2400" dirty="0"/>
-              <a:t>JavaScript</a:t>
-            </a:r>
-          </a:p>
-        </p:txBody>
-      </p:sp>
-      <p:sp>
-        <p:nvSpPr>
-          <p:cNvPr id="8" name="Rectángulo 7">
-            <a:extLst>
-              <a:ext uri="{FF2B5EF4-FFF2-40B4-BE49-F238E27FC236}">
-                <a16:creationId xmlns:a16="http://schemas.microsoft.com/office/drawing/2014/main" id="{A470CEC2-4020-4159-A0A4-A847C4774DA2}"/>
-              </a:ext>
-            </a:extLst>
-          </p:cNvPr>
-          <p:cNvSpPr/>
-          <p:nvPr/>
-        </p:nvSpPr>
-        <p:spPr>
-          <a:xfrm>
-            <a:off x="2628253" y="3302170"/>
-            <a:ext cx="1744579" cy="633046"/>
-          </a:xfrm>
-          <a:prstGeom prst="rect">
-            <a:avLst/>
-          </a:prstGeom>
-        </p:spPr>
-        <p:style>
-          <a:lnRef idx="2">
-            <a:schemeClr val="dk1"/>
-          </a:lnRef>
-          <a:fillRef idx="1">
-            <a:schemeClr val="lt1"/>
-          </a:fillRef>
-          <a:effectRef idx="0">
-            <a:schemeClr val="dk1"/>
-          </a:effectRef>
-          <a:fontRef idx="minor">
-            <a:schemeClr val="dk1"/>
-          </a:fontRef>
-        </p:style>
-        <p:txBody>
-          <a:bodyPr rtlCol="0" anchor="ctr"/>
-          <a:lstStyle/>
-          <a:p>
-            <a:pPr algn="ctr"/>
-            <a:r>
-              <a:rPr lang="es-PE" sz="2400" dirty="0"/>
-              <a:t>CSS</a:t>
-            </a:r>
-          </a:p>
-        </p:txBody>
-      </p:sp>
-      <p:sp>
-        <p:nvSpPr>
-          <p:cNvPr id="9" name="Rectángulo 8">
-            <a:extLst>
-              <a:ext uri="{FF2B5EF4-FFF2-40B4-BE49-F238E27FC236}">
-                <a16:creationId xmlns:a16="http://schemas.microsoft.com/office/drawing/2014/main" id="{DDE7AB09-6D52-4359-AD38-8A2A8D1C6289}"/>
-              </a:ext>
-            </a:extLst>
-          </p:cNvPr>
-          <p:cNvSpPr/>
-          <p:nvPr/>
-        </p:nvSpPr>
-        <p:spPr>
-          <a:xfrm>
-            <a:off x="5046834" y="1688855"/>
-            <a:ext cx="5095972" cy="4513163"/>
-          </a:xfrm>
-          <a:prstGeom prst="rect">
-            <a:avLst/>
-          </a:prstGeom>
-        </p:spPr>
-        <p:style>
-          <a:lnRef idx="2">
-            <a:schemeClr val="accent5"/>
-          </a:lnRef>
-          <a:fillRef idx="1">
-            <a:schemeClr val="lt1"/>
-          </a:fillRef>
-          <a:effectRef idx="0">
-            <a:schemeClr val="accent5"/>
-          </a:effectRef>
-          <a:fontRef idx="minor">
-            <a:schemeClr val="dk1"/>
-          </a:fontRef>
-        </p:style>
-        <p:txBody>
-          <a:bodyPr rtlCol="0" anchor="b"/>
-          <a:lstStyle/>
-          <a:p>
-            <a:pPr algn="ctr"/>
-            <a:r>
-              <a:rPr lang="es-PE" sz="2400" b="1" dirty="0"/>
-              <a:t>BACK-END</a:t>
-            </a:r>
-          </a:p>
-        </p:txBody>
-      </p:sp>
-      <p:sp>
-        <p:nvSpPr>
-          <p:cNvPr id="10" name="Rectángulo 9">
-            <a:extLst>
-              <a:ext uri="{FF2B5EF4-FFF2-40B4-BE49-F238E27FC236}">
-                <a16:creationId xmlns:a16="http://schemas.microsoft.com/office/drawing/2014/main" id="{A3581555-475D-4E00-91EE-DF2243BD7216}"/>
-              </a:ext>
-            </a:extLst>
-          </p:cNvPr>
-          <p:cNvSpPr/>
-          <p:nvPr/>
-        </p:nvSpPr>
-        <p:spPr>
-          <a:xfrm>
-            <a:off x="669388" y="1688856"/>
-            <a:ext cx="3882684" cy="4513164"/>
-          </a:xfrm>
-          <a:prstGeom prst="rect">
-            <a:avLst/>
-          </a:prstGeom>
-          <a:noFill/>
-        </p:spPr>
-        <p:style>
-          <a:lnRef idx="2">
-            <a:schemeClr val="accent2"/>
-          </a:lnRef>
-          <a:fillRef idx="1">
-            <a:schemeClr val="lt1"/>
-          </a:fillRef>
-          <a:effectRef idx="0">
-            <a:schemeClr val="accent2"/>
-          </a:effectRef>
-          <a:fontRef idx="minor">
-            <a:schemeClr val="dk1"/>
-          </a:fontRef>
-        </p:style>
-        <p:txBody>
-          <a:bodyPr rtlCol="0" anchor="b"/>
-          <a:lstStyle/>
-          <a:p>
-            <a:pPr algn="ctr"/>
-            <a:r>
-              <a:rPr lang="es-PE" sz="2400" b="1" dirty="0"/>
-              <a:t>FRONT-END</a:t>
-            </a:r>
-          </a:p>
-        </p:txBody>
-      </p:sp>
-      <p:pic>
-        <p:nvPicPr>
-          <p:cNvPr id="12" name="Imagen 11" descr="Forma&#10;&#10;Descripción generada automáticamente con confianza baja">
-            <a:extLst>
-              <a:ext uri="{FF2B5EF4-FFF2-40B4-BE49-F238E27FC236}">
-                <a16:creationId xmlns:a16="http://schemas.microsoft.com/office/drawing/2014/main" id="{8E781FC1-CC7E-4555-A149-52D567D7B44E}"/>
-              </a:ext>
-            </a:extLst>
-          </p:cNvPr>
-          <p:cNvPicPr>
-            <a:picLocks noChangeAspect="1"/>
-          </p:cNvPicPr>
-          <p:nvPr/>
-        </p:nvPicPr>
-        <p:blipFill>
-          <a:blip r:embed="rId3">
-            <a:extLst>
-              <a:ext uri="{28A0092B-C50C-407E-A947-70E740481C1C}">
-                <a14:useLocalDpi xmlns:a14="http://schemas.microsoft.com/office/drawing/2010/main" val="0"/>
-              </a:ext>
-            </a:extLst>
-          </a:blip>
-          <a:stretch>
-            <a:fillRect/>
-          </a:stretch>
-        </p:blipFill>
-        <p:spPr>
-          <a:xfrm>
-            <a:off x="10521390" y="2520197"/>
-            <a:ext cx="1282651" cy="1282651"/>
-          </a:xfrm>
-          <a:prstGeom prst="rect">
-            <a:avLst/>
-          </a:prstGeom>
-        </p:spPr>
-      </p:pic>
-      <p:sp>
-        <p:nvSpPr>
-          <p:cNvPr id="13" name="Rectángulo 12">
-            <a:extLst>
-              <a:ext uri="{FF2B5EF4-FFF2-40B4-BE49-F238E27FC236}">
-                <a16:creationId xmlns:a16="http://schemas.microsoft.com/office/drawing/2014/main" id="{6DA656AA-9F70-4061-904F-D8A8266546E9}"/>
-              </a:ext>
-            </a:extLst>
-          </p:cNvPr>
-          <p:cNvSpPr/>
-          <p:nvPr/>
-        </p:nvSpPr>
-        <p:spPr>
-          <a:xfrm>
-            <a:off x="8048005" y="2437010"/>
-            <a:ext cx="1744578" cy="633046"/>
-          </a:xfrm>
-          <a:prstGeom prst="rect">
-            <a:avLst/>
-          </a:prstGeom>
-        </p:spPr>
-        <p:style>
-          <a:lnRef idx="2">
-            <a:schemeClr val="dk1"/>
-          </a:lnRef>
-          <a:fillRef idx="1">
-            <a:schemeClr val="lt1"/>
-          </a:fillRef>
-          <a:effectRef idx="0">
-            <a:schemeClr val="dk1"/>
-          </a:effectRef>
-          <a:fontRef idx="minor">
-            <a:schemeClr val="dk1"/>
-          </a:fontRef>
-        </p:style>
-        <p:txBody>
-          <a:bodyPr rtlCol="0" anchor="ctr"/>
-          <a:lstStyle/>
-          <a:p>
-            <a:pPr algn="ctr"/>
-            <a:r>
-              <a:rPr lang="es-PE" sz="2400" dirty="0"/>
-              <a:t>Entidades</a:t>
-            </a:r>
-          </a:p>
-        </p:txBody>
-      </p:sp>
-      <p:sp>
-        <p:nvSpPr>
-          <p:cNvPr id="14" name="Rectángulo 13">
-            <a:extLst>
-              <a:ext uri="{FF2B5EF4-FFF2-40B4-BE49-F238E27FC236}">
-                <a16:creationId xmlns:a16="http://schemas.microsoft.com/office/drawing/2014/main" id="{855C2EE2-0F03-470C-BC70-5D858015C813}"/>
-              </a:ext>
-            </a:extLst>
-          </p:cNvPr>
-          <p:cNvSpPr/>
-          <p:nvPr/>
-        </p:nvSpPr>
-        <p:spPr>
-          <a:xfrm>
-            <a:off x="8048005" y="3331920"/>
-            <a:ext cx="1744578" cy="633046"/>
-          </a:xfrm>
-          <a:prstGeom prst="rect">
-            <a:avLst/>
-          </a:prstGeom>
-        </p:spPr>
-        <p:style>
-          <a:lnRef idx="2">
-            <a:schemeClr val="dk1"/>
-          </a:lnRef>
-          <a:fillRef idx="1">
-            <a:schemeClr val="lt1"/>
-          </a:fillRef>
-          <a:effectRef idx="0">
-            <a:schemeClr val="dk1"/>
-          </a:effectRef>
-          <a:fontRef idx="minor">
-            <a:schemeClr val="dk1"/>
-          </a:fontRef>
-        </p:style>
-        <p:txBody>
-          <a:bodyPr rtlCol="0" anchor="ctr"/>
-          <a:lstStyle/>
-          <a:p>
-            <a:pPr algn="ctr"/>
-            <a:r>
-              <a:rPr lang="es-PE" sz="2400" dirty="0"/>
-              <a:t>Repositorios</a:t>
-            </a:r>
-          </a:p>
-        </p:txBody>
-      </p:sp>
-      <p:sp>
-        <p:nvSpPr>
-          <p:cNvPr id="15" name="Rectángulo 14">
-            <a:extLst>
-              <a:ext uri="{FF2B5EF4-FFF2-40B4-BE49-F238E27FC236}">
-                <a16:creationId xmlns:a16="http://schemas.microsoft.com/office/drawing/2014/main" id="{12E74BB2-83A1-4631-B909-C0B9F9F8238C}"/>
-              </a:ext>
-            </a:extLst>
-          </p:cNvPr>
-          <p:cNvSpPr/>
-          <p:nvPr/>
-        </p:nvSpPr>
-        <p:spPr>
-          <a:xfrm>
-            <a:off x="5394613" y="3313125"/>
-            <a:ext cx="2120706" cy="633046"/>
-          </a:xfrm>
-          <a:prstGeom prst="rect">
-            <a:avLst/>
-          </a:prstGeom>
-        </p:spPr>
-        <p:style>
-          <a:lnRef idx="2">
-            <a:schemeClr val="dk1"/>
-          </a:lnRef>
-          <a:fillRef idx="1">
-            <a:schemeClr val="lt1"/>
-          </a:fillRef>
-          <a:effectRef idx="0">
-            <a:schemeClr val="dk1"/>
-          </a:effectRef>
-          <a:fontRef idx="minor">
-            <a:schemeClr val="dk1"/>
-          </a:fontRef>
-        </p:style>
-        <p:txBody>
-          <a:bodyPr rtlCol="0" anchor="ctr"/>
-          <a:lstStyle/>
-          <a:p>
-            <a:pPr algn="ctr"/>
-            <a:r>
-              <a:rPr lang="es-PE" sz="2400" dirty="0"/>
+              <a:t>Back-</a:t>
+            </a:r>
+            <a:r>
+              <a:rPr lang="es-PE" b="1" dirty="0" err="1"/>
+              <a:t>end</a:t>
+            </a:r>
+            <a:endParaRPr lang="es-PE" b="1" dirty="0"/>
+          </a:p>
+        </p:txBody>
+      </p:sp>
+      <p:sp>
+        <p:nvSpPr>
+          <p:cNvPr id="3" name="Marcador de contenido 2">
+            <a:extLst>
+              <a:ext uri="{FF2B5EF4-FFF2-40B4-BE49-F238E27FC236}">
+                <a16:creationId xmlns:a16="http://schemas.microsoft.com/office/drawing/2014/main" id="{6A62653E-88BA-402F-B9D8-49FEC1A75671}"/>
+              </a:ext>
+            </a:extLst>
+          </p:cNvPr>
+          <p:cNvSpPr>
+            <a:spLocks noGrp="1"/>
+          </p:cNvSpPr>
+          <p:nvPr>
+            <p:ph idx="1"/>
+          </p:nvPr>
+        </p:nvSpPr>
+        <p:spPr/>
+        <p:txBody>
+          <a:bodyPr>
+            <a:normAutofit/>
+          </a:bodyPr>
+          <a:lstStyle/>
+          <a:p>
+            <a:r>
+              <a:rPr lang="es-PE" dirty="0"/>
+              <a:t>Capa del servicio Web</a:t>
+            </a:r>
+          </a:p>
+          <a:p>
+            <a:pPr lvl="1"/>
+            <a:r>
+              <a:rPr lang="es-PE" dirty="0"/>
+              <a:t>Entidades de transferencia de datos (DTO)</a:t>
+            </a:r>
+          </a:p>
+          <a:p>
+            <a:pPr lvl="2"/>
+            <a:r>
+              <a:rPr lang="es-PE" dirty="0"/>
+              <a:t>Son objetos que representan los datos que se envían y reciben en las </a:t>
+            </a:r>
+            <a:r>
+              <a:rPr lang="es-PE" b="1" dirty="0"/>
+              <a:t>peticiones AJAX </a:t>
+            </a:r>
+            <a:r>
+              <a:rPr lang="es-PE" dirty="0"/>
+              <a:t>entre el </a:t>
+            </a:r>
+            <a:r>
+              <a:rPr lang="es-PE" dirty="0" err="1"/>
+              <a:t>front-end</a:t>
+            </a:r>
+            <a:r>
+              <a:rPr lang="es-PE" dirty="0"/>
+              <a:t> y el back-</a:t>
+            </a:r>
+            <a:r>
+              <a:rPr lang="es-PE" dirty="0" err="1"/>
+              <a:t>end</a:t>
+            </a:r>
+            <a:endParaRPr lang="es-PE" dirty="0"/>
+          </a:p>
+          <a:p>
+            <a:pPr lvl="2"/>
+            <a:r>
+              <a:rPr lang="es-PE" dirty="0"/>
+              <a:t>Por ejemplo, el </a:t>
+            </a:r>
+            <a:r>
+              <a:rPr lang="es-PE" dirty="0" err="1"/>
+              <a:t>front-end</a:t>
+            </a:r>
+            <a:r>
+              <a:rPr lang="es-PE" dirty="0"/>
+              <a:t> puede enviar una petición para buscar un alumno:</a:t>
+            </a:r>
+          </a:p>
+          <a:p>
+            <a:pPr lvl="3"/>
+            <a:r>
+              <a:rPr lang="es-PE" dirty="0"/>
+              <a:t>El objeto de entrada puede contener: filtro por nombre, filtro por apellidos, filtro por DNI</a:t>
+            </a:r>
+          </a:p>
+          <a:p>
+            <a:pPr lvl="3"/>
+            <a:r>
+              <a:rPr lang="es-PE" dirty="0"/>
+              <a:t>Los objetos de salida pueden contener: ID, nombre completo del alumno, DNI, fecha de nacimiento, grado al que pertenece este año, nombre completo del docente encargado</a:t>
+            </a:r>
+          </a:p>
+          <a:p>
+            <a:pPr lvl="1"/>
+            <a:r>
+              <a:rPr lang="es-PE" dirty="0"/>
               <a:t>Controladores</a:t>
             </a:r>
           </a:p>
-        </p:txBody>
-      </p:sp>
-      <p:sp>
-        <p:nvSpPr>
-          <p:cNvPr id="16" name="Rectángulo 15">
-            <a:extLst>
-              <a:ext uri="{FF2B5EF4-FFF2-40B4-BE49-F238E27FC236}">
-                <a16:creationId xmlns:a16="http://schemas.microsoft.com/office/drawing/2014/main" id="{327A20A4-6BB7-45A7-BDF0-08FD96AAB6B8}"/>
-              </a:ext>
-            </a:extLst>
-          </p:cNvPr>
-          <p:cNvSpPr/>
-          <p:nvPr/>
-        </p:nvSpPr>
-        <p:spPr>
-          <a:xfrm>
-            <a:off x="5394613" y="2418215"/>
-            <a:ext cx="2120706" cy="633046"/>
-          </a:xfrm>
-          <a:prstGeom prst="rect">
-            <a:avLst/>
-          </a:prstGeom>
-        </p:spPr>
-        <p:style>
-          <a:lnRef idx="2">
-            <a:schemeClr val="dk1"/>
-          </a:lnRef>
-          <a:fillRef idx="1">
-            <a:schemeClr val="lt1"/>
-          </a:fillRef>
-          <a:effectRef idx="0">
-            <a:schemeClr val="dk1"/>
-          </a:effectRef>
-          <a:fontRef idx="minor">
-            <a:schemeClr val="dk1"/>
-          </a:fontRef>
-        </p:style>
-        <p:txBody>
-          <a:bodyPr rtlCol="0" anchor="ctr"/>
-          <a:lstStyle/>
-          <a:p>
-            <a:pPr algn="ctr"/>
-            <a:r>
-              <a:rPr lang="es-PE" sz="2400" dirty="0" err="1"/>
-              <a:t>DTOs</a:t>
-            </a:r>
-            <a:endParaRPr lang="es-PE" sz="2400" dirty="0"/>
-          </a:p>
-        </p:txBody>
-      </p:sp>
-      <p:sp>
-        <p:nvSpPr>
-          <p:cNvPr id="17" name="Rectángulo 16">
-            <a:extLst>
-              <a:ext uri="{FF2B5EF4-FFF2-40B4-BE49-F238E27FC236}">
-                <a16:creationId xmlns:a16="http://schemas.microsoft.com/office/drawing/2014/main" id="{19B1281E-6D23-40F5-9B73-501CB3214230}"/>
-              </a:ext>
-            </a:extLst>
-          </p:cNvPr>
-          <p:cNvSpPr/>
-          <p:nvPr/>
-        </p:nvSpPr>
-        <p:spPr>
-          <a:xfrm>
-            <a:off x="5260761" y="2154600"/>
-            <a:ext cx="2365393" cy="2826096"/>
-          </a:xfrm>
-          <a:prstGeom prst="rect">
-            <a:avLst/>
-          </a:prstGeom>
-          <a:noFill/>
-        </p:spPr>
-        <p:style>
-          <a:lnRef idx="2">
-            <a:schemeClr val="accent6"/>
-          </a:lnRef>
-          <a:fillRef idx="1">
-            <a:schemeClr val="lt1"/>
-          </a:fillRef>
-          <a:effectRef idx="0">
-            <a:schemeClr val="accent6"/>
-          </a:effectRef>
-          <a:fontRef idx="minor">
-            <a:schemeClr val="dk1"/>
-          </a:fontRef>
-        </p:style>
-        <p:txBody>
-          <a:bodyPr rtlCol="0" anchor="b"/>
-          <a:lstStyle/>
-          <a:p>
-            <a:pPr algn="ctr"/>
-            <a:r>
-              <a:rPr lang="es-PE" sz="2400" b="1" dirty="0"/>
-              <a:t>Capa Web</a:t>
-            </a:r>
-          </a:p>
-        </p:txBody>
-      </p:sp>
-      <p:sp>
-        <p:nvSpPr>
-          <p:cNvPr id="18" name="Rectángulo 17">
-            <a:extLst>
-              <a:ext uri="{FF2B5EF4-FFF2-40B4-BE49-F238E27FC236}">
-                <a16:creationId xmlns:a16="http://schemas.microsoft.com/office/drawing/2014/main" id="{C100E583-9036-4E04-8636-638C878360D1}"/>
-              </a:ext>
-            </a:extLst>
-          </p:cNvPr>
-          <p:cNvSpPr/>
-          <p:nvPr/>
-        </p:nvSpPr>
-        <p:spPr>
-          <a:xfrm>
-            <a:off x="7906047" y="2152035"/>
-            <a:ext cx="2039812" cy="2826096"/>
-          </a:xfrm>
-          <a:prstGeom prst="rect">
-            <a:avLst/>
-          </a:prstGeom>
-          <a:noFill/>
-        </p:spPr>
-        <p:style>
-          <a:lnRef idx="2">
-            <a:schemeClr val="accent3"/>
-          </a:lnRef>
-          <a:fillRef idx="1">
-            <a:schemeClr val="lt1"/>
-          </a:fillRef>
-          <a:effectRef idx="0">
-            <a:schemeClr val="accent3"/>
-          </a:effectRef>
-          <a:fontRef idx="minor">
-            <a:schemeClr val="dk1"/>
-          </a:fontRef>
-        </p:style>
-        <p:txBody>
-          <a:bodyPr rtlCol="0" anchor="b"/>
-          <a:lstStyle/>
-          <a:p>
-            <a:pPr algn="ctr"/>
-            <a:r>
-              <a:rPr lang="es-PE" sz="2400" b="1" dirty="0"/>
-              <a:t>Capa de base de datos</a:t>
-            </a:r>
-          </a:p>
-        </p:txBody>
-      </p:sp>
-      <p:sp>
-        <p:nvSpPr>
-          <p:cNvPr id="19" name="CuadroTexto 18">
-            <a:extLst>
-              <a:ext uri="{FF2B5EF4-FFF2-40B4-BE49-F238E27FC236}">
-                <a16:creationId xmlns:a16="http://schemas.microsoft.com/office/drawing/2014/main" id="{E89ECA76-0D5A-4ED2-B765-2A5C31DDE8D8}"/>
-              </a:ext>
-            </a:extLst>
-          </p:cNvPr>
-          <p:cNvSpPr txBox="1"/>
-          <p:nvPr/>
-        </p:nvSpPr>
-        <p:spPr>
-          <a:xfrm>
-            <a:off x="10521390" y="3802848"/>
-            <a:ext cx="1282651" cy="1569660"/>
-          </a:xfrm>
-          <a:prstGeom prst="rect">
-            <a:avLst/>
-          </a:prstGeom>
-          <a:noFill/>
-        </p:spPr>
-        <p:txBody>
-          <a:bodyPr wrap="square" rtlCol="0">
-            <a:spAutoFit/>
-          </a:bodyPr>
-          <a:lstStyle/>
-          <a:p>
-            <a:pPr algn="ctr"/>
-            <a:r>
-              <a:rPr lang="es-PE" sz="2400" b="1" dirty="0"/>
-              <a:t>Base de datos SQL Server</a:t>
+          <a:p>
+            <a:pPr lvl="2"/>
+            <a:r>
+              <a:rPr lang="es-PE" dirty="0"/>
+              <a:t>Representan una serie de métodos con la lógica necesaria para mostrar las diferentes páginas de la aplicación Web, y/o responder a peticiones AJAX desde el </a:t>
+            </a:r>
+            <a:r>
+              <a:rPr lang="es-PE" dirty="0" err="1"/>
+              <a:t>front-end</a:t>
+            </a:r>
+            <a:r>
+              <a:rPr lang="es-PE" dirty="0"/>
+              <a:t>.</a:t>
+            </a:r>
+          </a:p>
+          <a:p>
+            <a:pPr lvl="2"/>
+            <a:r>
+              <a:rPr lang="es-PE" dirty="0"/>
+              <a:t>Son los métodos responsables de intercomunicar el </a:t>
+            </a:r>
+            <a:r>
+              <a:rPr lang="es-PE" dirty="0" err="1"/>
+              <a:t>front-end</a:t>
+            </a:r>
+            <a:r>
+              <a:rPr lang="es-PE" dirty="0"/>
+              <a:t> y la base de datos, haciendo de intermediario, representan la </a:t>
+            </a:r>
+            <a:r>
+              <a:rPr lang="es-PE" b="1" dirty="0"/>
+              <a:t>lógica del negocio.</a:t>
             </a:r>
           </a:p>
         </p:txBody>
@@ -4855,7 +4855,7 @@
     </p:spTree>
     <p:extLst>
       <p:ext uri="{BB962C8B-B14F-4D97-AF65-F5344CB8AC3E}">
-        <p14:creationId xmlns:p14="http://schemas.microsoft.com/office/powerpoint/2010/main" val="285926609"/>
+        <p14:creationId xmlns:p14="http://schemas.microsoft.com/office/powerpoint/2010/main" val="1398086969"/>
       </p:ext>
     </p:extLst>
   </p:cSld>

--- a/docs/Arquitectura.pptx
+++ b/docs/Arquitectura.pptx
@@ -13,7 +13,6 @@
     <p:sldId id="259" r:id="rId7"/>
     <p:sldId id="261" r:id="rId8"/>
     <p:sldId id="263" r:id="rId9"/>
-    <p:sldId id="265" r:id="rId10"/>
   </p:sldIdLst>
   <p:sldSz cx="12192000" cy="6858000"/>
   <p:notesSz cx="6858000" cy="9144000"/>
@@ -269,7 +268,7 @@
           <a:p>
             <a:fld id="{B5929F38-C698-4BCE-AF4A-3572566CB7D6}" type="datetimeFigureOut">
               <a:rPr lang="es-PE" smtClean="0"/>
-              <a:t>09/04/2021</a:t>
+              <a:t>12/04/2021</a:t>
             </a:fld>
             <a:endParaRPr lang="es-PE"/>
           </a:p>
@@ -469,7 +468,7 @@
           <a:p>
             <a:fld id="{B5929F38-C698-4BCE-AF4A-3572566CB7D6}" type="datetimeFigureOut">
               <a:rPr lang="es-PE" smtClean="0"/>
-              <a:t>09/04/2021</a:t>
+              <a:t>12/04/2021</a:t>
             </a:fld>
             <a:endParaRPr lang="es-PE"/>
           </a:p>
@@ -679,7 +678,7 @@
           <a:p>
             <a:fld id="{B5929F38-C698-4BCE-AF4A-3572566CB7D6}" type="datetimeFigureOut">
               <a:rPr lang="es-PE" smtClean="0"/>
-              <a:t>09/04/2021</a:t>
+              <a:t>12/04/2021</a:t>
             </a:fld>
             <a:endParaRPr lang="es-PE"/>
           </a:p>
@@ -879,7 +878,7 @@
           <a:p>
             <a:fld id="{B5929F38-C698-4BCE-AF4A-3572566CB7D6}" type="datetimeFigureOut">
               <a:rPr lang="es-PE" smtClean="0"/>
-              <a:t>09/04/2021</a:t>
+              <a:t>12/04/2021</a:t>
             </a:fld>
             <a:endParaRPr lang="es-PE"/>
           </a:p>
@@ -1155,7 +1154,7 @@
           <a:p>
             <a:fld id="{B5929F38-C698-4BCE-AF4A-3572566CB7D6}" type="datetimeFigureOut">
               <a:rPr lang="es-PE" smtClean="0"/>
-              <a:t>09/04/2021</a:t>
+              <a:t>12/04/2021</a:t>
             </a:fld>
             <a:endParaRPr lang="es-PE"/>
           </a:p>
@@ -1423,7 +1422,7 @@
           <a:p>
             <a:fld id="{B5929F38-C698-4BCE-AF4A-3572566CB7D6}" type="datetimeFigureOut">
               <a:rPr lang="es-PE" smtClean="0"/>
-              <a:t>09/04/2021</a:t>
+              <a:t>12/04/2021</a:t>
             </a:fld>
             <a:endParaRPr lang="es-PE"/>
           </a:p>
@@ -1838,7 +1837,7 @@
           <a:p>
             <a:fld id="{B5929F38-C698-4BCE-AF4A-3572566CB7D6}" type="datetimeFigureOut">
               <a:rPr lang="es-PE" smtClean="0"/>
-              <a:t>09/04/2021</a:t>
+              <a:t>12/04/2021</a:t>
             </a:fld>
             <a:endParaRPr lang="es-PE"/>
           </a:p>
@@ -1980,7 +1979,7 @@
           <a:p>
             <a:fld id="{B5929F38-C698-4BCE-AF4A-3572566CB7D6}" type="datetimeFigureOut">
               <a:rPr lang="es-PE" smtClean="0"/>
-              <a:t>09/04/2021</a:t>
+              <a:t>12/04/2021</a:t>
             </a:fld>
             <a:endParaRPr lang="es-PE"/>
           </a:p>
@@ -2093,7 +2092,7 @@
           <a:p>
             <a:fld id="{B5929F38-C698-4BCE-AF4A-3572566CB7D6}" type="datetimeFigureOut">
               <a:rPr lang="es-PE" smtClean="0"/>
-              <a:t>09/04/2021</a:t>
+              <a:t>12/04/2021</a:t>
             </a:fld>
             <a:endParaRPr lang="es-PE"/>
           </a:p>
@@ -2406,7 +2405,7 @@
           <a:p>
             <a:fld id="{B5929F38-C698-4BCE-AF4A-3572566CB7D6}" type="datetimeFigureOut">
               <a:rPr lang="es-PE" smtClean="0"/>
-              <a:t>09/04/2021</a:t>
+              <a:t>12/04/2021</a:t>
             </a:fld>
             <a:endParaRPr lang="es-PE"/>
           </a:p>
@@ -2695,7 +2694,7 @@
           <a:p>
             <a:fld id="{B5929F38-C698-4BCE-AF4A-3572566CB7D6}" type="datetimeFigureOut">
               <a:rPr lang="es-PE" smtClean="0"/>
-              <a:t>09/04/2021</a:t>
+              <a:t>12/04/2021</a:t>
             </a:fld>
             <a:endParaRPr lang="es-PE"/>
           </a:p>
@@ -2938,7 +2937,7 @@
           <a:p>
             <a:fld id="{B5929F38-C698-4BCE-AF4A-3572566CB7D6}" type="datetimeFigureOut">
               <a:rPr lang="es-PE" smtClean="0"/>
-              <a:t>09/04/2021</a:t>
+              <a:t>12/04/2021</a:t>
             </a:fld>
             <a:endParaRPr lang="es-PE"/>
           </a:p>
@@ -5069,93 +5068,6 @@
 </p:sld>
 </file>
 
-<file path=ppt/slides/slide9.xml><?xml version="1.0" encoding="utf-8"?>
-<p:sld xmlns:a="http://schemas.openxmlformats.org/drawingml/2006/main" xmlns:r="http://schemas.openxmlformats.org/officeDocument/2006/relationships" xmlns:p="http://schemas.openxmlformats.org/presentationml/2006/main">
-  <p:cSld>
-    <p:spTree>
-      <p:nvGrpSpPr>
-        <p:cNvPr id="1" name=""/>
-        <p:cNvGrpSpPr/>
-        <p:nvPr/>
-      </p:nvGrpSpPr>
-      <p:grpSpPr>
-        <a:xfrm>
-          <a:off x="0" y="0"/>
-          <a:ext cx="0" cy="0"/>
-          <a:chOff x="0" y="0"/>
-          <a:chExt cx="0" cy="0"/>
-        </a:xfrm>
-      </p:grpSpPr>
-      <p:sp>
-        <p:nvSpPr>
-          <p:cNvPr id="2" name="Título 1">
-            <a:extLst>
-              <a:ext uri="{FF2B5EF4-FFF2-40B4-BE49-F238E27FC236}">
-                <a16:creationId xmlns:a16="http://schemas.microsoft.com/office/drawing/2014/main" id="{937EDFA9-51FC-40F8-999A-49F6491606DD}"/>
-              </a:ext>
-            </a:extLst>
-          </p:cNvPr>
-          <p:cNvSpPr>
-            <a:spLocks noGrp="1"/>
-          </p:cNvSpPr>
-          <p:nvPr>
-            <p:ph type="title"/>
-          </p:nvPr>
-        </p:nvSpPr>
-        <p:spPr/>
-        <p:txBody>
-          <a:bodyPr/>
-          <a:lstStyle/>
-          <a:p>
-            <a:r>
-              <a:rPr lang="es-PE" b="1" dirty="0"/>
-              <a:t>Configuración de SQL Server</a:t>
-            </a:r>
-          </a:p>
-        </p:txBody>
-      </p:sp>
-      <p:pic>
-        <p:nvPicPr>
-          <p:cNvPr id="5" name="Marcador de contenido 4">
-            <a:extLst>
-              <a:ext uri="{FF2B5EF4-FFF2-40B4-BE49-F238E27FC236}">
-                <a16:creationId xmlns:a16="http://schemas.microsoft.com/office/drawing/2014/main" id="{0698342F-1A45-409A-9301-FE55381C4F62}"/>
-              </a:ext>
-            </a:extLst>
-          </p:cNvPr>
-          <p:cNvPicPr>
-            <a:picLocks noGrp="1" noChangeAspect="1"/>
-          </p:cNvPicPr>
-          <p:nvPr>
-            <p:ph idx="1"/>
-          </p:nvPr>
-        </p:nvPicPr>
-        <p:blipFill>
-          <a:blip r:embed="rId2"/>
-          <a:stretch>
-            <a:fillRect/>
-          </a:stretch>
-        </p:blipFill>
-        <p:spPr>
-          <a:xfrm>
-            <a:off x="3019425" y="2667794"/>
-            <a:ext cx="6153150" cy="2667000"/>
-          </a:xfrm>
-        </p:spPr>
-      </p:pic>
-    </p:spTree>
-    <p:extLst>
-      <p:ext uri="{BB962C8B-B14F-4D97-AF65-F5344CB8AC3E}">
-        <p14:creationId xmlns:p14="http://schemas.microsoft.com/office/powerpoint/2010/main" val="773567715"/>
-      </p:ext>
-    </p:extLst>
-  </p:cSld>
-  <p:clrMapOvr>
-    <a:masterClrMapping/>
-  </p:clrMapOvr>
-</p:sld>
-</file>
-
 <file path=ppt/theme/theme1.xml><?xml version="1.0" encoding="utf-8"?>
 <a:theme xmlns:a="http://schemas.openxmlformats.org/drawingml/2006/main" name="Tema de Office">
   <a:themeElements>
